--- a/UI 디자인.pptx
+++ b/UI 디자인.pptx
@@ -104,6 +104,11 @@
       </a:defRPr>
     </a:lvl9pPr>
   </p:defaultTextStyle>
+  <p:extLst>
+    <p:ext uri="{EFAFB233-063F-42B5-8137-9DF3F51BA10A}">
+      <p15:sldGuideLst xmlns:p15="http://schemas.microsoft.com/office/powerpoint/2012/main"/>
+    </p:ext>
+  </p:extLst>
 </p:presentation>
 </file>
 
@@ -254,7 +259,7 @@
           <a:p>
             <a:fld id="{BE5A9997-7305-4A0E-ADD1-128C064EF44E}" type="datetimeFigureOut">
               <a:rPr lang="ko-KR" altLang="en-US" smtClean="0"/>
-              <a:t>2024-03-04</a:t>
+              <a:t>2024-03-05</a:t>
             </a:fld>
             <a:endParaRPr lang="ko-KR" altLang="en-US"/>
           </a:p>
@@ -452,7 +457,7 @@
           <a:p>
             <a:fld id="{BE5A9997-7305-4A0E-ADD1-128C064EF44E}" type="datetimeFigureOut">
               <a:rPr lang="ko-KR" altLang="en-US" smtClean="0"/>
-              <a:t>2024-03-04</a:t>
+              <a:t>2024-03-05</a:t>
             </a:fld>
             <a:endParaRPr lang="ko-KR" altLang="en-US"/>
           </a:p>
@@ -660,7 +665,7 @@
           <a:p>
             <a:fld id="{BE5A9997-7305-4A0E-ADD1-128C064EF44E}" type="datetimeFigureOut">
               <a:rPr lang="ko-KR" altLang="en-US" smtClean="0"/>
-              <a:t>2024-03-04</a:t>
+              <a:t>2024-03-05</a:t>
             </a:fld>
             <a:endParaRPr lang="ko-KR" altLang="en-US"/>
           </a:p>
@@ -858,7 +863,7 @@
           <a:p>
             <a:fld id="{BE5A9997-7305-4A0E-ADD1-128C064EF44E}" type="datetimeFigureOut">
               <a:rPr lang="ko-KR" altLang="en-US" smtClean="0"/>
-              <a:t>2024-03-04</a:t>
+              <a:t>2024-03-05</a:t>
             </a:fld>
             <a:endParaRPr lang="ko-KR" altLang="en-US"/>
           </a:p>
@@ -1133,7 +1138,7 @@
           <a:p>
             <a:fld id="{BE5A9997-7305-4A0E-ADD1-128C064EF44E}" type="datetimeFigureOut">
               <a:rPr lang="ko-KR" altLang="en-US" smtClean="0"/>
-              <a:t>2024-03-04</a:t>
+              <a:t>2024-03-05</a:t>
             </a:fld>
             <a:endParaRPr lang="ko-KR" altLang="en-US"/>
           </a:p>
@@ -1398,7 +1403,7 @@
           <a:p>
             <a:fld id="{BE5A9997-7305-4A0E-ADD1-128C064EF44E}" type="datetimeFigureOut">
               <a:rPr lang="ko-KR" altLang="en-US" smtClean="0"/>
-              <a:t>2024-03-04</a:t>
+              <a:t>2024-03-05</a:t>
             </a:fld>
             <a:endParaRPr lang="ko-KR" altLang="en-US"/>
           </a:p>
@@ -1810,7 +1815,7 @@
           <a:p>
             <a:fld id="{BE5A9997-7305-4A0E-ADD1-128C064EF44E}" type="datetimeFigureOut">
               <a:rPr lang="ko-KR" altLang="en-US" smtClean="0"/>
-              <a:t>2024-03-04</a:t>
+              <a:t>2024-03-05</a:t>
             </a:fld>
             <a:endParaRPr lang="ko-KR" altLang="en-US"/>
           </a:p>
@@ -1951,7 +1956,7 @@
           <a:p>
             <a:fld id="{BE5A9997-7305-4A0E-ADD1-128C064EF44E}" type="datetimeFigureOut">
               <a:rPr lang="ko-KR" altLang="en-US" smtClean="0"/>
-              <a:t>2024-03-04</a:t>
+              <a:t>2024-03-05</a:t>
             </a:fld>
             <a:endParaRPr lang="ko-KR" altLang="en-US"/>
           </a:p>
@@ -2064,7 +2069,7 @@
           <a:p>
             <a:fld id="{BE5A9997-7305-4A0E-ADD1-128C064EF44E}" type="datetimeFigureOut">
               <a:rPr lang="ko-KR" altLang="en-US" smtClean="0"/>
-              <a:t>2024-03-04</a:t>
+              <a:t>2024-03-05</a:t>
             </a:fld>
             <a:endParaRPr lang="ko-KR" altLang="en-US"/>
           </a:p>
@@ -2375,7 +2380,7 @@
           <a:p>
             <a:fld id="{BE5A9997-7305-4A0E-ADD1-128C064EF44E}" type="datetimeFigureOut">
               <a:rPr lang="ko-KR" altLang="en-US" smtClean="0"/>
-              <a:t>2024-03-04</a:t>
+              <a:t>2024-03-05</a:t>
             </a:fld>
             <a:endParaRPr lang="ko-KR" altLang="en-US"/>
           </a:p>
@@ -2663,7 +2668,7 @@
           <a:p>
             <a:fld id="{BE5A9997-7305-4A0E-ADD1-128C064EF44E}" type="datetimeFigureOut">
               <a:rPr lang="ko-KR" altLang="en-US" smtClean="0"/>
-              <a:t>2024-03-04</a:t>
+              <a:t>2024-03-05</a:t>
             </a:fld>
             <a:endParaRPr lang="ko-KR" altLang="en-US"/>
           </a:p>
@@ -2904,7 +2909,7 @@
           <a:p>
             <a:fld id="{BE5A9997-7305-4A0E-ADD1-128C064EF44E}" type="datetimeFigureOut">
               <a:rPr lang="ko-KR" altLang="en-US" smtClean="0"/>
-              <a:t>2024-03-04</a:t>
+              <a:t>2024-03-05</a:t>
             </a:fld>
             <a:endParaRPr lang="ko-KR" altLang="en-US"/>
           </a:p>

--- a/UI 디자인.pptx
+++ b/UI 디자인.pptx
@@ -6,6 +6,7 @@
   </p:sldMasterIdLst>
   <p:sldIdLst>
     <p:sldId id="256" r:id="rId2"/>
+    <p:sldId id="257" r:id="rId3"/>
   </p:sldIdLst>
   <p:sldSz cx="12192000" cy="6858000"/>
   <p:notesSz cx="6858000" cy="9144000"/>
@@ -259,7 +260,7 @@
           <a:p>
             <a:fld id="{BE5A9997-7305-4A0E-ADD1-128C064EF44E}" type="datetimeFigureOut">
               <a:rPr lang="ko-KR" altLang="en-US" smtClean="0"/>
-              <a:t>2024-03-05</a:t>
+              <a:t>2024-03-07</a:t>
             </a:fld>
             <a:endParaRPr lang="ko-KR" altLang="en-US"/>
           </a:p>
@@ -457,7 +458,7 @@
           <a:p>
             <a:fld id="{BE5A9997-7305-4A0E-ADD1-128C064EF44E}" type="datetimeFigureOut">
               <a:rPr lang="ko-KR" altLang="en-US" smtClean="0"/>
-              <a:t>2024-03-05</a:t>
+              <a:t>2024-03-07</a:t>
             </a:fld>
             <a:endParaRPr lang="ko-KR" altLang="en-US"/>
           </a:p>
@@ -665,7 +666,7 @@
           <a:p>
             <a:fld id="{BE5A9997-7305-4A0E-ADD1-128C064EF44E}" type="datetimeFigureOut">
               <a:rPr lang="ko-KR" altLang="en-US" smtClean="0"/>
-              <a:t>2024-03-05</a:t>
+              <a:t>2024-03-07</a:t>
             </a:fld>
             <a:endParaRPr lang="ko-KR" altLang="en-US"/>
           </a:p>
@@ -863,7 +864,7 @@
           <a:p>
             <a:fld id="{BE5A9997-7305-4A0E-ADD1-128C064EF44E}" type="datetimeFigureOut">
               <a:rPr lang="ko-KR" altLang="en-US" smtClean="0"/>
-              <a:t>2024-03-05</a:t>
+              <a:t>2024-03-07</a:t>
             </a:fld>
             <a:endParaRPr lang="ko-KR" altLang="en-US"/>
           </a:p>
@@ -1138,7 +1139,7 @@
           <a:p>
             <a:fld id="{BE5A9997-7305-4A0E-ADD1-128C064EF44E}" type="datetimeFigureOut">
               <a:rPr lang="ko-KR" altLang="en-US" smtClean="0"/>
-              <a:t>2024-03-05</a:t>
+              <a:t>2024-03-07</a:t>
             </a:fld>
             <a:endParaRPr lang="ko-KR" altLang="en-US"/>
           </a:p>
@@ -1403,7 +1404,7 @@
           <a:p>
             <a:fld id="{BE5A9997-7305-4A0E-ADD1-128C064EF44E}" type="datetimeFigureOut">
               <a:rPr lang="ko-KR" altLang="en-US" smtClean="0"/>
-              <a:t>2024-03-05</a:t>
+              <a:t>2024-03-07</a:t>
             </a:fld>
             <a:endParaRPr lang="ko-KR" altLang="en-US"/>
           </a:p>
@@ -1815,7 +1816,7 @@
           <a:p>
             <a:fld id="{BE5A9997-7305-4A0E-ADD1-128C064EF44E}" type="datetimeFigureOut">
               <a:rPr lang="ko-KR" altLang="en-US" smtClean="0"/>
-              <a:t>2024-03-05</a:t>
+              <a:t>2024-03-07</a:t>
             </a:fld>
             <a:endParaRPr lang="ko-KR" altLang="en-US"/>
           </a:p>
@@ -1956,7 +1957,7 @@
           <a:p>
             <a:fld id="{BE5A9997-7305-4A0E-ADD1-128C064EF44E}" type="datetimeFigureOut">
               <a:rPr lang="ko-KR" altLang="en-US" smtClean="0"/>
-              <a:t>2024-03-05</a:t>
+              <a:t>2024-03-07</a:t>
             </a:fld>
             <a:endParaRPr lang="ko-KR" altLang="en-US"/>
           </a:p>
@@ -2069,7 +2070,7 @@
           <a:p>
             <a:fld id="{BE5A9997-7305-4A0E-ADD1-128C064EF44E}" type="datetimeFigureOut">
               <a:rPr lang="ko-KR" altLang="en-US" smtClean="0"/>
-              <a:t>2024-03-05</a:t>
+              <a:t>2024-03-07</a:t>
             </a:fld>
             <a:endParaRPr lang="ko-KR" altLang="en-US"/>
           </a:p>
@@ -2380,7 +2381,7 @@
           <a:p>
             <a:fld id="{BE5A9997-7305-4A0E-ADD1-128C064EF44E}" type="datetimeFigureOut">
               <a:rPr lang="ko-KR" altLang="en-US" smtClean="0"/>
-              <a:t>2024-03-05</a:t>
+              <a:t>2024-03-07</a:t>
             </a:fld>
             <a:endParaRPr lang="ko-KR" altLang="en-US"/>
           </a:p>
@@ -2668,7 +2669,7 @@
           <a:p>
             <a:fld id="{BE5A9997-7305-4A0E-ADD1-128C064EF44E}" type="datetimeFigureOut">
               <a:rPr lang="ko-KR" altLang="en-US" smtClean="0"/>
-              <a:t>2024-03-05</a:t>
+              <a:t>2024-03-07</a:t>
             </a:fld>
             <a:endParaRPr lang="ko-KR" altLang="en-US"/>
           </a:p>
@@ -2909,7 +2910,7 @@
           <a:p>
             <a:fld id="{BE5A9997-7305-4A0E-ADD1-128C064EF44E}" type="datetimeFigureOut">
               <a:rPr lang="ko-KR" altLang="en-US" smtClean="0"/>
-              <a:t>2024-03-05</a:t>
+              <a:t>2024-03-07</a:t>
             </a:fld>
             <a:endParaRPr lang="ko-KR" altLang="en-US"/>
           </a:p>
@@ -4219,6 +4220,1172 @@
 </p:sld>
 </file>
 
+<file path=ppt/slides/slide2.xml><?xml version="1.0" encoding="utf-8"?>
+<p:sld xmlns:a="http://schemas.openxmlformats.org/drawingml/2006/main" xmlns:r="http://schemas.openxmlformats.org/officeDocument/2006/relationships" xmlns:p="http://schemas.openxmlformats.org/presentationml/2006/main">
+  <p:cSld>
+    <p:spTree>
+      <p:nvGrpSpPr>
+        <p:cNvPr id="1" name=""/>
+        <p:cNvGrpSpPr/>
+        <p:nvPr/>
+      </p:nvGrpSpPr>
+      <p:grpSpPr>
+        <a:xfrm>
+          <a:off x="0" y="0"/>
+          <a:ext cx="0" cy="0"/>
+          <a:chOff x="0" y="0"/>
+          <a:chExt cx="0" cy="0"/>
+        </a:xfrm>
+      </p:grpSpPr>
+      <p:grpSp>
+        <p:nvGrpSpPr>
+          <p:cNvPr id="4" name="그룹 3">
+            <a:extLst>
+              <a:ext uri="{FF2B5EF4-FFF2-40B4-BE49-F238E27FC236}">
+                <a16:creationId xmlns:a16="http://schemas.microsoft.com/office/drawing/2014/main" id="{80617B6F-82B3-44E2-A5A6-B26019A20D11}"/>
+              </a:ext>
+            </a:extLst>
+          </p:cNvPr>
+          <p:cNvGrpSpPr/>
+          <p:nvPr/>
+        </p:nvGrpSpPr>
+        <p:grpSpPr>
+          <a:xfrm>
+            <a:off x="1236090" y="698350"/>
+            <a:ext cx="9719820" cy="5901233"/>
+            <a:chOff x="191344" y="1579394"/>
+            <a:chExt cx="4791146" cy="2908867"/>
+          </a:xfrm>
+        </p:grpSpPr>
+        <p:grpSp>
+          <p:nvGrpSpPr>
+            <p:cNvPr id="5" name="그룹 4">
+              <a:extLst>
+                <a:ext uri="{FF2B5EF4-FFF2-40B4-BE49-F238E27FC236}">
+                  <a16:creationId xmlns:a16="http://schemas.microsoft.com/office/drawing/2014/main" id="{B87358C6-3371-444F-8AA6-328EEF868AA3}"/>
+                </a:ext>
+              </a:extLst>
+            </p:cNvPr>
+            <p:cNvGrpSpPr/>
+            <p:nvPr/>
+          </p:nvGrpSpPr>
+          <p:grpSpPr>
+            <a:xfrm>
+              <a:off x="191344" y="1579395"/>
+              <a:ext cx="4784446" cy="2908866"/>
+              <a:chOff x="1559625" y="590797"/>
+              <a:chExt cx="9072750" cy="5516088"/>
+            </a:xfrm>
+          </p:grpSpPr>
+          <p:sp>
+            <p:nvSpPr>
+              <p:cNvPr id="26" name="직사각형 25">
+                <a:extLst>
+                  <a:ext uri="{FF2B5EF4-FFF2-40B4-BE49-F238E27FC236}">
+                    <a16:creationId xmlns:a16="http://schemas.microsoft.com/office/drawing/2014/main" id="{EB5B0D6B-CC0D-4D39-8537-4B0019C2135A}"/>
+                  </a:ext>
+                </a:extLst>
+              </p:cNvPr>
+              <p:cNvSpPr/>
+              <p:nvPr/>
+            </p:nvSpPr>
+            <p:spPr>
+              <a:xfrm>
+                <a:off x="1559627" y="751114"/>
+                <a:ext cx="9072748" cy="5355771"/>
+              </a:xfrm>
+              <a:prstGeom prst="rect">
+                <a:avLst/>
+              </a:prstGeom>
+              <a:solidFill>
+                <a:srgbClr val="1C2135"/>
+              </a:solidFill>
+              <a:ln>
+                <a:noFill/>
+              </a:ln>
+            </p:spPr>
+            <p:style>
+              <a:lnRef idx="2">
+                <a:schemeClr val="accent1">
+                  <a:shade val="50000"/>
+                </a:schemeClr>
+              </a:lnRef>
+              <a:fillRef idx="1">
+                <a:schemeClr val="accent1"/>
+              </a:fillRef>
+              <a:effectRef idx="0">
+                <a:schemeClr val="accent1"/>
+              </a:effectRef>
+              <a:fontRef idx="minor">
+                <a:schemeClr val="lt1"/>
+              </a:fontRef>
+            </p:style>
+            <p:txBody>
+              <a:bodyPr rtlCol="0" anchor="ctr"/>
+              <a:lstStyle/>
+              <a:p>
+                <a:pPr algn="ctr"/>
+                <a:endParaRPr lang="ko-KR" altLang="en-US" dirty="0"/>
+              </a:p>
+            </p:txBody>
+          </p:sp>
+          <p:sp>
+            <p:nvSpPr>
+              <p:cNvPr id="27" name="직사각형 26">
+                <a:extLst>
+                  <a:ext uri="{FF2B5EF4-FFF2-40B4-BE49-F238E27FC236}">
+                    <a16:creationId xmlns:a16="http://schemas.microsoft.com/office/drawing/2014/main" id="{04AC195C-49EE-4C00-884F-0E840CB51C4C}"/>
+                  </a:ext>
+                </a:extLst>
+              </p:cNvPr>
+              <p:cNvSpPr/>
+              <p:nvPr/>
+            </p:nvSpPr>
+            <p:spPr>
+              <a:xfrm>
+                <a:off x="1559625" y="590797"/>
+                <a:ext cx="9072748" cy="154379"/>
+              </a:xfrm>
+              <a:prstGeom prst="rect">
+                <a:avLst/>
+              </a:prstGeom>
+              <a:solidFill>
+                <a:schemeClr val="bg1">
+                  <a:lumMod val="85000"/>
+                </a:schemeClr>
+              </a:solidFill>
+              <a:ln>
+                <a:noFill/>
+              </a:ln>
+            </p:spPr>
+            <p:style>
+              <a:lnRef idx="2">
+                <a:schemeClr val="accent1">
+                  <a:shade val="50000"/>
+                </a:schemeClr>
+              </a:lnRef>
+              <a:fillRef idx="1">
+                <a:schemeClr val="accent1"/>
+              </a:fillRef>
+              <a:effectRef idx="0">
+                <a:schemeClr val="accent1"/>
+              </a:effectRef>
+              <a:fontRef idx="minor">
+                <a:schemeClr val="lt1"/>
+              </a:fontRef>
+            </p:style>
+            <p:txBody>
+              <a:bodyPr rtlCol="0" anchor="ctr"/>
+              <a:lstStyle/>
+              <a:p>
+                <a:r>
+                  <a:rPr lang="en-US" altLang="ko-KR" sz="300" dirty="0">
+                    <a:solidFill>
+                      <a:schemeClr val="tx1"/>
+                    </a:solidFill>
+                  </a:rPr>
+                  <a:t>  Image</a:t>
+                </a:r>
+                <a:r>
+                  <a:rPr lang="ko-KR" altLang="en-US" sz="300" dirty="0">
+                    <a:solidFill>
+                      <a:schemeClr val="tx1"/>
+                    </a:solidFill>
+                  </a:rPr>
+                  <a:t> </a:t>
+                </a:r>
+                <a:r>
+                  <a:rPr lang="en-US" altLang="ko-KR" sz="300" dirty="0">
+                    <a:solidFill>
+                      <a:schemeClr val="tx1"/>
+                    </a:solidFill>
+                  </a:rPr>
+                  <a:t>Viewer</a:t>
+                </a:r>
+                <a:endParaRPr lang="ko-KR" altLang="en-US" sz="300" dirty="0">
+                  <a:solidFill>
+                    <a:schemeClr val="tx1"/>
+                  </a:solidFill>
+                </a:endParaRPr>
+              </a:p>
+            </p:txBody>
+          </p:sp>
+        </p:grpSp>
+        <p:pic>
+          <p:nvPicPr>
+            <p:cNvPr id="6" name="그림 5">
+              <a:extLst>
+                <a:ext uri="{FF2B5EF4-FFF2-40B4-BE49-F238E27FC236}">
+                  <a16:creationId xmlns:a16="http://schemas.microsoft.com/office/drawing/2014/main" id="{C48AC43A-14AF-4FBB-BA24-2111F5C562B2}"/>
+                </a:ext>
+              </a:extLst>
+            </p:cNvPr>
+            <p:cNvPicPr>
+              <a:picLocks noChangeAspect="1"/>
+            </p:cNvPicPr>
+            <p:nvPr/>
+          </p:nvPicPr>
+          <p:blipFill>
+            <a:blip r:embed="rId2">
+              <a:extLst>
+                <a:ext uri="{28A0092B-C50C-407E-A947-70E740481C1C}">
+                  <a14:useLocalDpi xmlns:a14="http://schemas.microsoft.com/office/drawing/2010/main" val="0"/>
+                </a:ext>
+              </a:extLst>
+            </a:blip>
+            <a:stretch>
+              <a:fillRect/>
+            </a:stretch>
+          </p:blipFill>
+          <p:spPr>
+            <a:xfrm>
+              <a:off x="191344" y="1672724"/>
+              <a:ext cx="739858" cy="174740"/>
+            </a:xfrm>
+            <a:prstGeom prst="rect">
+              <a:avLst/>
+            </a:prstGeom>
+          </p:spPr>
+        </p:pic>
+        <p:sp>
+          <p:nvSpPr>
+            <p:cNvPr id="7" name="직사각형 6">
+              <a:extLst>
+                <a:ext uri="{FF2B5EF4-FFF2-40B4-BE49-F238E27FC236}">
+                  <a16:creationId xmlns:a16="http://schemas.microsoft.com/office/drawing/2014/main" id="{EBEDE30C-4B63-4610-891D-F7783A6796DA}"/>
+                </a:ext>
+              </a:extLst>
+            </p:cNvPr>
+            <p:cNvSpPr/>
+            <p:nvPr/>
+          </p:nvSpPr>
+          <p:spPr>
+            <a:xfrm>
+              <a:off x="270483" y="1885833"/>
+              <a:ext cx="2560791" cy="2469266"/>
+            </a:xfrm>
+            <a:prstGeom prst="rect">
+              <a:avLst/>
+            </a:prstGeom>
+            <a:solidFill>
+              <a:schemeClr val="bg2">
+                <a:lumMod val="75000"/>
+              </a:schemeClr>
+            </a:solidFill>
+            <a:ln>
+              <a:noFill/>
+            </a:ln>
+          </p:spPr>
+          <p:style>
+            <a:lnRef idx="2">
+              <a:schemeClr val="accent1">
+                <a:shade val="50000"/>
+              </a:schemeClr>
+            </a:lnRef>
+            <a:fillRef idx="1">
+              <a:schemeClr val="accent1"/>
+            </a:fillRef>
+            <a:effectRef idx="0">
+              <a:schemeClr val="accent1"/>
+            </a:effectRef>
+            <a:fontRef idx="minor">
+              <a:schemeClr val="lt1"/>
+            </a:fontRef>
+          </p:style>
+          <p:txBody>
+            <a:bodyPr rtlCol="0" anchor="ctr"/>
+            <a:lstStyle/>
+            <a:p>
+              <a:pPr algn="ctr"/>
+              <a:endParaRPr lang="ko-KR" altLang="en-US" dirty="0"/>
+            </a:p>
+          </p:txBody>
+        </p:sp>
+        <p:pic>
+          <p:nvPicPr>
+            <p:cNvPr id="8" name="그림 7">
+              <a:extLst>
+                <a:ext uri="{FF2B5EF4-FFF2-40B4-BE49-F238E27FC236}">
+                  <a16:creationId xmlns:a16="http://schemas.microsoft.com/office/drawing/2014/main" id="{A86B9AA2-7ED4-42C8-A28D-91316F11D8AA}"/>
+                </a:ext>
+              </a:extLst>
+            </p:cNvPr>
+            <p:cNvPicPr>
+              <a:picLocks noChangeAspect="1"/>
+            </p:cNvPicPr>
+            <p:nvPr/>
+          </p:nvPicPr>
+          <p:blipFill>
+            <a:blip r:embed="rId3">
+              <a:extLst>
+                <a:ext uri="{28A0092B-C50C-407E-A947-70E740481C1C}">
+                  <a14:useLocalDpi xmlns:a14="http://schemas.microsoft.com/office/drawing/2010/main" val="0"/>
+                </a:ext>
+              </a:extLst>
+            </a:blip>
+            <a:stretch>
+              <a:fillRect/>
+            </a:stretch>
+          </p:blipFill>
+          <p:spPr>
+            <a:xfrm>
+              <a:off x="201780" y="1579394"/>
+              <a:ext cx="81411" cy="81411"/>
+            </a:xfrm>
+            <a:prstGeom prst="rect">
+              <a:avLst/>
+            </a:prstGeom>
+          </p:spPr>
+        </p:pic>
+        <p:sp>
+          <p:nvSpPr>
+            <p:cNvPr id="9" name="직사각형 8">
+              <a:extLst>
+                <a:ext uri="{FF2B5EF4-FFF2-40B4-BE49-F238E27FC236}">
+                  <a16:creationId xmlns:a16="http://schemas.microsoft.com/office/drawing/2014/main" id="{FF7465D7-304A-4FB8-A967-1E6ED5B9DAB7}"/>
+                </a:ext>
+              </a:extLst>
+            </p:cNvPr>
+            <p:cNvSpPr/>
+            <p:nvPr/>
+          </p:nvSpPr>
+          <p:spPr>
+            <a:xfrm>
+              <a:off x="2883480" y="3413403"/>
+              <a:ext cx="965542" cy="931033"/>
+            </a:xfrm>
+            <a:prstGeom prst="rect">
+              <a:avLst/>
+            </a:prstGeom>
+            <a:solidFill>
+              <a:schemeClr val="bg2">
+                <a:lumMod val="75000"/>
+              </a:schemeClr>
+            </a:solidFill>
+            <a:ln>
+              <a:noFill/>
+            </a:ln>
+          </p:spPr>
+          <p:style>
+            <a:lnRef idx="2">
+              <a:schemeClr val="accent1">
+                <a:shade val="50000"/>
+              </a:schemeClr>
+            </a:lnRef>
+            <a:fillRef idx="1">
+              <a:schemeClr val="accent1"/>
+            </a:fillRef>
+            <a:effectRef idx="0">
+              <a:schemeClr val="accent1"/>
+            </a:effectRef>
+            <a:fontRef idx="minor">
+              <a:schemeClr val="lt1"/>
+            </a:fontRef>
+          </p:style>
+          <p:txBody>
+            <a:bodyPr rtlCol="0" anchor="ctr"/>
+            <a:lstStyle/>
+            <a:p>
+              <a:pPr algn="ctr"/>
+              <a:endParaRPr lang="ko-KR" altLang="en-US" dirty="0"/>
+            </a:p>
+          </p:txBody>
+        </p:sp>
+        <p:sp>
+          <p:nvSpPr>
+            <p:cNvPr id="10" name="직사각형 9">
+              <a:extLst>
+                <a:ext uri="{FF2B5EF4-FFF2-40B4-BE49-F238E27FC236}">
+                  <a16:creationId xmlns:a16="http://schemas.microsoft.com/office/drawing/2014/main" id="{3F186184-870F-4417-A498-5757FB98385D}"/>
+                </a:ext>
+              </a:extLst>
+            </p:cNvPr>
+            <p:cNvSpPr/>
+            <p:nvPr/>
+          </p:nvSpPr>
+          <p:spPr>
+            <a:xfrm>
+              <a:off x="3901227" y="3413402"/>
+              <a:ext cx="1042641" cy="931033"/>
+            </a:xfrm>
+            <a:prstGeom prst="rect">
+              <a:avLst/>
+            </a:prstGeom>
+            <a:solidFill>
+              <a:srgbClr val="2E3347"/>
+            </a:solidFill>
+            <a:ln>
+              <a:noFill/>
+            </a:ln>
+          </p:spPr>
+          <p:style>
+            <a:lnRef idx="2">
+              <a:schemeClr val="accent1">
+                <a:shade val="50000"/>
+              </a:schemeClr>
+            </a:lnRef>
+            <a:fillRef idx="1">
+              <a:schemeClr val="accent1"/>
+            </a:fillRef>
+            <a:effectRef idx="0">
+              <a:schemeClr val="accent1"/>
+            </a:effectRef>
+            <a:fontRef idx="minor">
+              <a:schemeClr val="lt1"/>
+            </a:fontRef>
+          </p:style>
+          <p:txBody>
+            <a:bodyPr rtlCol="0" anchor="ctr"/>
+            <a:lstStyle/>
+            <a:p>
+              <a:pPr algn="ctr"/>
+              <a:endParaRPr lang="ko-KR" altLang="en-US" dirty="0"/>
+            </a:p>
+          </p:txBody>
+        </p:sp>
+        <p:cxnSp>
+          <p:nvCxnSpPr>
+            <p:cNvPr id="11" name="직선 연결선 10">
+              <a:extLst>
+                <a:ext uri="{FF2B5EF4-FFF2-40B4-BE49-F238E27FC236}">
+                  <a16:creationId xmlns:a16="http://schemas.microsoft.com/office/drawing/2014/main" id="{13A0803E-858A-4F96-A725-033B60E944A2}"/>
+                </a:ext>
+              </a:extLst>
+            </p:cNvPr>
+            <p:cNvCxnSpPr>
+              <a:cxnSpLocks/>
+            </p:cNvCxnSpPr>
+            <p:nvPr/>
+          </p:nvCxnSpPr>
+          <p:spPr>
+            <a:xfrm>
+              <a:off x="3901228" y="3573016"/>
+              <a:ext cx="1042640" cy="0"/>
+            </a:xfrm>
+            <a:prstGeom prst="line">
+              <a:avLst/>
+            </a:prstGeom>
+            <a:ln>
+              <a:solidFill>
+                <a:schemeClr val="tx1"/>
+              </a:solidFill>
+            </a:ln>
+          </p:spPr>
+          <p:style>
+            <a:lnRef idx="1">
+              <a:schemeClr val="accent1"/>
+            </a:lnRef>
+            <a:fillRef idx="0">
+              <a:schemeClr val="accent1"/>
+            </a:fillRef>
+            <a:effectRef idx="0">
+              <a:schemeClr val="accent1"/>
+            </a:effectRef>
+            <a:fontRef idx="minor">
+              <a:schemeClr val="tx1"/>
+            </a:fontRef>
+          </p:style>
+        </p:cxnSp>
+        <p:cxnSp>
+          <p:nvCxnSpPr>
+            <p:cNvPr id="12" name="직선 연결선 11">
+              <a:extLst>
+                <a:ext uri="{FF2B5EF4-FFF2-40B4-BE49-F238E27FC236}">
+                  <a16:creationId xmlns:a16="http://schemas.microsoft.com/office/drawing/2014/main" id="{02ED2EA7-E697-493B-97A8-02FD686B18C6}"/>
+                </a:ext>
+              </a:extLst>
+            </p:cNvPr>
+            <p:cNvCxnSpPr>
+              <a:cxnSpLocks/>
+            </p:cNvCxnSpPr>
+            <p:nvPr/>
+          </p:nvCxnSpPr>
+          <p:spPr>
+            <a:xfrm flipV="1">
+              <a:off x="4079776" y="3413402"/>
+              <a:ext cx="0" cy="931033"/>
+            </a:xfrm>
+            <a:prstGeom prst="line">
+              <a:avLst/>
+            </a:prstGeom>
+            <a:ln>
+              <a:solidFill>
+                <a:schemeClr val="tx1"/>
+              </a:solidFill>
+            </a:ln>
+          </p:spPr>
+          <p:style>
+            <a:lnRef idx="1">
+              <a:schemeClr val="accent1"/>
+            </a:lnRef>
+            <a:fillRef idx="0">
+              <a:schemeClr val="accent1"/>
+            </a:fillRef>
+            <a:effectRef idx="0">
+              <a:schemeClr val="accent1"/>
+            </a:effectRef>
+            <a:fontRef idx="minor">
+              <a:schemeClr val="tx1"/>
+            </a:fontRef>
+          </p:style>
+        </p:cxnSp>
+        <p:cxnSp>
+          <p:nvCxnSpPr>
+            <p:cNvPr id="13" name="직선 연결선 12">
+              <a:extLst>
+                <a:ext uri="{FF2B5EF4-FFF2-40B4-BE49-F238E27FC236}">
+                  <a16:creationId xmlns:a16="http://schemas.microsoft.com/office/drawing/2014/main" id="{000BDCAC-022A-4F04-ABA2-246A819AF53D}"/>
+                </a:ext>
+              </a:extLst>
+            </p:cNvPr>
+            <p:cNvCxnSpPr>
+              <a:cxnSpLocks/>
+            </p:cNvCxnSpPr>
+            <p:nvPr/>
+          </p:nvCxnSpPr>
+          <p:spPr>
+            <a:xfrm flipV="1">
+              <a:off x="4367808" y="3413402"/>
+              <a:ext cx="0" cy="931033"/>
+            </a:xfrm>
+            <a:prstGeom prst="line">
+              <a:avLst/>
+            </a:prstGeom>
+            <a:ln>
+              <a:solidFill>
+                <a:schemeClr val="tx1"/>
+              </a:solidFill>
+            </a:ln>
+          </p:spPr>
+          <p:style>
+            <a:lnRef idx="1">
+              <a:schemeClr val="accent1"/>
+            </a:lnRef>
+            <a:fillRef idx="0">
+              <a:schemeClr val="accent1"/>
+            </a:fillRef>
+            <a:effectRef idx="0">
+              <a:schemeClr val="accent1"/>
+            </a:effectRef>
+            <a:fontRef idx="minor">
+              <a:schemeClr val="tx1"/>
+            </a:fontRef>
+          </p:style>
+        </p:cxnSp>
+        <p:cxnSp>
+          <p:nvCxnSpPr>
+            <p:cNvPr id="14" name="직선 연결선 13">
+              <a:extLst>
+                <a:ext uri="{FF2B5EF4-FFF2-40B4-BE49-F238E27FC236}">
+                  <a16:creationId xmlns:a16="http://schemas.microsoft.com/office/drawing/2014/main" id="{DAAD66AA-4A6A-4A05-AEA3-BAA1AD1BECCB}"/>
+                </a:ext>
+              </a:extLst>
+            </p:cNvPr>
+            <p:cNvCxnSpPr>
+              <a:cxnSpLocks/>
+            </p:cNvCxnSpPr>
+            <p:nvPr/>
+          </p:nvCxnSpPr>
+          <p:spPr>
+            <a:xfrm flipV="1">
+              <a:off x="4655840" y="3413401"/>
+              <a:ext cx="0" cy="931033"/>
+            </a:xfrm>
+            <a:prstGeom prst="line">
+              <a:avLst/>
+            </a:prstGeom>
+            <a:ln>
+              <a:solidFill>
+                <a:schemeClr val="tx1"/>
+              </a:solidFill>
+            </a:ln>
+          </p:spPr>
+          <p:style>
+            <a:lnRef idx="1">
+              <a:schemeClr val="accent1"/>
+            </a:lnRef>
+            <a:fillRef idx="0">
+              <a:schemeClr val="accent1"/>
+            </a:fillRef>
+            <a:effectRef idx="0">
+              <a:schemeClr val="accent1"/>
+            </a:effectRef>
+            <a:fontRef idx="minor">
+              <a:schemeClr val="tx1"/>
+            </a:fontRef>
+          </p:style>
+        </p:cxnSp>
+        <p:sp>
+          <p:nvSpPr>
+            <p:cNvPr id="15" name="TextBox 14">
+              <a:extLst>
+                <a:ext uri="{FF2B5EF4-FFF2-40B4-BE49-F238E27FC236}">
+                  <a16:creationId xmlns:a16="http://schemas.microsoft.com/office/drawing/2014/main" id="{ABE43646-A194-460E-BF20-2A030E97F8AB}"/>
+                </a:ext>
+              </a:extLst>
+            </p:cNvPr>
+            <p:cNvSpPr txBox="1"/>
+            <p:nvPr/>
+          </p:nvSpPr>
+          <p:spPr>
+            <a:xfrm>
+              <a:off x="3833147" y="3434517"/>
+              <a:ext cx="306130" cy="138499"/>
+            </a:xfrm>
+            <a:prstGeom prst="rect">
+              <a:avLst/>
+            </a:prstGeom>
+            <a:noFill/>
+          </p:spPr>
+          <p:txBody>
+            <a:bodyPr wrap="square" rtlCol="0">
+              <a:spAutoFit/>
+            </a:bodyPr>
+            <a:lstStyle/>
+            <a:p>
+              <a:pPr algn="ctr"/>
+              <a:r>
+                <a:rPr lang="en-US" altLang="ko-KR" sz="300" dirty="0">
+                  <a:solidFill>
+                    <a:schemeClr val="bg1"/>
+                  </a:solidFill>
+                  <a:latin typeface="Arial Black" panose="020B0A04020102020204" pitchFamily="34" charset="0"/>
+                  <a:cs typeface="Arial" panose="020B0604020202020204" pitchFamily="34" charset="0"/>
+                </a:rPr>
+                <a:t>Index</a:t>
+              </a:r>
+              <a:endParaRPr lang="ko-KR" altLang="en-US" sz="300" dirty="0">
+                <a:solidFill>
+                  <a:schemeClr val="bg1"/>
+                </a:solidFill>
+                <a:latin typeface="Arial Black" panose="020B0A04020102020204" pitchFamily="34" charset="0"/>
+                <a:cs typeface="Arial" panose="020B0604020202020204" pitchFamily="34" charset="0"/>
+              </a:endParaRPr>
+            </a:p>
+          </p:txBody>
+        </p:sp>
+        <p:sp>
+          <p:nvSpPr>
+            <p:cNvPr id="16" name="TextBox 15">
+              <a:extLst>
+                <a:ext uri="{FF2B5EF4-FFF2-40B4-BE49-F238E27FC236}">
+                  <a16:creationId xmlns:a16="http://schemas.microsoft.com/office/drawing/2014/main" id="{1E5D5F71-F011-4FE3-BC20-551389266536}"/>
+                </a:ext>
+              </a:extLst>
+            </p:cNvPr>
+            <p:cNvSpPr txBox="1"/>
+            <p:nvPr/>
+          </p:nvSpPr>
+          <p:spPr>
+            <a:xfrm>
+              <a:off x="4059285" y="3424713"/>
+              <a:ext cx="353120" cy="138499"/>
+            </a:xfrm>
+            <a:prstGeom prst="rect">
+              <a:avLst/>
+            </a:prstGeom>
+            <a:noFill/>
+          </p:spPr>
+          <p:txBody>
+            <a:bodyPr wrap="square" rtlCol="0">
+              <a:spAutoFit/>
+            </a:bodyPr>
+            <a:lstStyle/>
+            <a:p>
+              <a:pPr algn="ctr"/>
+              <a:r>
+                <a:rPr lang="en-US" altLang="ko-KR" sz="300" dirty="0">
+                  <a:solidFill>
+                    <a:schemeClr val="bg1"/>
+                  </a:solidFill>
+                  <a:latin typeface="Arial Black" panose="020B0A04020102020204" pitchFamily="34" charset="0"/>
+                  <a:cs typeface="Arial" panose="020B0604020202020204" pitchFamily="34" charset="0"/>
+                </a:rPr>
+                <a:t>Result</a:t>
+              </a:r>
+              <a:endParaRPr lang="ko-KR" altLang="en-US" sz="300" dirty="0">
+                <a:solidFill>
+                  <a:schemeClr val="bg1"/>
+                </a:solidFill>
+                <a:latin typeface="Arial Black" panose="020B0A04020102020204" pitchFamily="34" charset="0"/>
+                <a:cs typeface="Arial" panose="020B0604020202020204" pitchFamily="34" charset="0"/>
+              </a:endParaRPr>
+            </a:p>
+          </p:txBody>
+        </p:sp>
+        <p:sp>
+          <p:nvSpPr>
+            <p:cNvPr id="17" name="TextBox 16">
+              <a:extLst>
+                <a:ext uri="{FF2B5EF4-FFF2-40B4-BE49-F238E27FC236}">
+                  <a16:creationId xmlns:a16="http://schemas.microsoft.com/office/drawing/2014/main" id="{E6EEAC53-0784-404F-8285-00E4BBCE1938}"/>
+                </a:ext>
+              </a:extLst>
+            </p:cNvPr>
+            <p:cNvSpPr txBox="1"/>
+            <p:nvPr/>
+          </p:nvSpPr>
+          <p:spPr>
+            <a:xfrm>
+              <a:off x="4334172" y="3431974"/>
+              <a:ext cx="353120" cy="138499"/>
+            </a:xfrm>
+            <a:prstGeom prst="rect">
+              <a:avLst/>
+            </a:prstGeom>
+            <a:noFill/>
+          </p:spPr>
+          <p:txBody>
+            <a:bodyPr wrap="square" rtlCol="0">
+              <a:spAutoFit/>
+            </a:bodyPr>
+            <a:lstStyle/>
+            <a:p>
+              <a:pPr algn="ctr"/>
+              <a:r>
+                <a:rPr lang="en-US" altLang="ko-KR" sz="300" dirty="0">
+                  <a:solidFill>
+                    <a:schemeClr val="bg1"/>
+                  </a:solidFill>
+                  <a:latin typeface="Arial Black" panose="020B0A04020102020204" pitchFamily="34" charset="0"/>
+                  <a:cs typeface="Arial" panose="020B0604020202020204" pitchFamily="34" charset="0"/>
+                </a:rPr>
+                <a:t>Pos X</a:t>
+              </a:r>
+              <a:endParaRPr lang="ko-KR" altLang="en-US" sz="300" dirty="0">
+                <a:solidFill>
+                  <a:schemeClr val="bg1"/>
+                </a:solidFill>
+                <a:latin typeface="Arial Black" panose="020B0A04020102020204" pitchFamily="34" charset="0"/>
+                <a:cs typeface="Arial" panose="020B0604020202020204" pitchFamily="34" charset="0"/>
+              </a:endParaRPr>
+            </a:p>
+          </p:txBody>
+        </p:sp>
+        <p:sp>
+          <p:nvSpPr>
+            <p:cNvPr id="18" name="TextBox 17">
+              <a:extLst>
+                <a:ext uri="{FF2B5EF4-FFF2-40B4-BE49-F238E27FC236}">
+                  <a16:creationId xmlns:a16="http://schemas.microsoft.com/office/drawing/2014/main" id="{187CB126-69F3-4367-B977-EB34FB922396}"/>
+                </a:ext>
+              </a:extLst>
+            </p:cNvPr>
+            <p:cNvSpPr txBox="1"/>
+            <p:nvPr/>
+          </p:nvSpPr>
+          <p:spPr>
+            <a:xfrm>
+              <a:off x="4629370" y="3432588"/>
+              <a:ext cx="353120" cy="138499"/>
+            </a:xfrm>
+            <a:prstGeom prst="rect">
+              <a:avLst/>
+            </a:prstGeom>
+            <a:noFill/>
+          </p:spPr>
+          <p:txBody>
+            <a:bodyPr wrap="square" rtlCol="0">
+              <a:spAutoFit/>
+            </a:bodyPr>
+            <a:lstStyle/>
+            <a:p>
+              <a:pPr algn="ctr"/>
+              <a:r>
+                <a:rPr lang="en-US" altLang="ko-KR" sz="300" dirty="0">
+                  <a:solidFill>
+                    <a:schemeClr val="bg1"/>
+                  </a:solidFill>
+                  <a:latin typeface="Arial Black" panose="020B0A04020102020204" pitchFamily="34" charset="0"/>
+                  <a:cs typeface="Arial" panose="020B0604020202020204" pitchFamily="34" charset="0"/>
+                </a:rPr>
+                <a:t>Pos Y</a:t>
+              </a:r>
+              <a:endParaRPr lang="ko-KR" altLang="en-US" sz="300" dirty="0">
+                <a:solidFill>
+                  <a:schemeClr val="bg1"/>
+                </a:solidFill>
+                <a:latin typeface="Arial Black" panose="020B0A04020102020204" pitchFamily="34" charset="0"/>
+                <a:cs typeface="Arial" panose="020B0604020202020204" pitchFamily="34" charset="0"/>
+              </a:endParaRPr>
+            </a:p>
+          </p:txBody>
+        </p:sp>
+        <p:sp>
+          <p:nvSpPr>
+            <p:cNvPr id="19" name="TextBox 18">
+              <a:extLst>
+                <a:ext uri="{FF2B5EF4-FFF2-40B4-BE49-F238E27FC236}">
+                  <a16:creationId xmlns:a16="http://schemas.microsoft.com/office/drawing/2014/main" id="{3C7B8205-E965-4CFE-951A-9969942A704B}"/>
+                </a:ext>
+              </a:extLst>
+            </p:cNvPr>
+            <p:cNvSpPr txBox="1"/>
+            <p:nvPr/>
+          </p:nvSpPr>
+          <p:spPr>
+            <a:xfrm>
+              <a:off x="969904" y="2998762"/>
+              <a:ext cx="1042189" cy="246221"/>
+            </a:xfrm>
+            <a:prstGeom prst="rect">
+              <a:avLst/>
+            </a:prstGeom>
+            <a:noFill/>
+          </p:spPr>
+          <p:txBody>
+            <a:bodyPr wrap="square" rtlCol="0">
+              <a:spAutoFit/>
+            </a:bodyPr>
+            <a:lstStyle/>
+            <a:p>
+              <a:pPr algn="ctr"/>
+              <a:r>
+                <a:rPr lang="en-US" altLang="ko-KR" sz="1000" dirty="0">
+                  <a:latin typeface="Arial" panose="020B0604020202020204" pitchFamily="34" charset="0"/>
+                  <a:cs typeface="Arial" panose="020B0604020202020204" pitchFamily="34" charset="0"/>
+                </a:rPr>
+                <a:t>Main</a:t>
+              </a:r>
+              <a:r>
+                <a:rPr lang="ko-KR" altLang="en-US" sz="1000" dirty="0">
+                  <a:latin typeface="Arial" panose="020B0604020202020204" pitchFamily="34" charset="0"/>
+                  <a:cs typeface="Arial" panose="020B0604020202020204" pitchFamily="34" charset="0"/>
+                </a:rPr>
+                <a:t> </a:t>
+              </a:r>
+              <a:r>
+                <a:rPr lang="en-US" altLang="ko-KR" sz="1000" dirty="0">
+                  <a:latin typeface="Arial" panose="020B0604020202020204" pitchFamily="34" charset="0"/>
+                  <a:cs typeface="Arial" panose="020B0604020202020204" pitchFamily="34" charset="0"/>
+                </a:rPr>
+                <a:t>Image</a:t>
+              </a:r>
+            </a:p>
+          </p:txBody>
+        </p:sp>
+        <p:sp>
+          <p:nvSpPr>
+            <p:cNvPr id="20" name="TextBox 19">
+              <a:extLst>
+                <a:ext uri="{FF2B5EF4-FFF2-40B4-BE49-F238E27FC236}">
+                  <a16:creationId xmlns:a16="http://schemas.microsoft.com/office/drawing/2014/main" id="{757AC6C2-3972-49FC-878A-981BF34CDDF0}"/>
+                </a:ext>
+              </a:extLst>
+            </p:cNvPr>
+            <p:cNvSpPr txBox="1"/>
+            <p:nvPr/>
+          </p:nvSpPr>
+          <p:spPr>
+            <a:xfrm>
+              <a:off x="2916849" y="3789040"/>
+              <a:ext cx="847072" cy="246221"/>
+            </a:xfrm>
+            <a:prstGeom prst="rect">
+              <a:avLst/>
+            </a:prstGeom>
+            <a:noFill/>
+          </p:spPr>
+          <p:txBody>
+            <a:bodyPr wrap="square" rtlCol="0">
+              <a:spAutoFit/>
+            </a:bodyPr>
+            <a:lstStyle/>
+            <a:p>
+              <a:pPr algn="ctr"/>
+              <a:r>
+                <a:rPr lang="en-US" altLang="ko-KR" sz="1000" dirty="0">
+                  <a:latin typeface="Arial" panose="020B0604020202020204" pitchFamily="34" charset="0"/>
+                  <a:cs typeface="Arial" panose="020B0604020202020204" pitchFamily="34" charset="0"/>
+                </a:rPr>
+                <a:t>Sub Image</a:t>
+              </a:r>
+            </a:p>
+          </p:txBody>
+        </p:sp>
+        <p:sp>
+          <p:nvSpPr>
+            <p:cNvPr id="21" name="사각형: 둥근 모서리 20">
+              <a:extLst>
+                <a:ext uri="{FF2B5EF4-FFF2-40B4-BE49-F238E27FC236}">
+                  <a16:creationId xmlns:a16="http://schemas.microsoft.com/office/drawing/2014/main" id="{9AB303F0-A046-4BD7-84C4-98341FB8B67C}"/>
+                </a:ext>
+              </a:extLst>
+            </p:cNvPr>
+            <p:cNvSpPr/>
+            <p:nvPr/>
+          </p:nvSpPr>
+          <p:spPr>
+            <a:xfrm>
+              <a:off x="2939422" y="1895404"/>
+              <a:ext cx="998130" cy="230309"/>
+            </a:xfrm>
+            <a:prstGeom prst="roundRect">
+              <a:avLst/>
+            </a:prstGeom>
+            <a:solidFill>
+              <a:srgbClr val="2E3347"/>
+            </a:solidFill>
+            <a:ln>
+              <a:noFill/>
+            </a:ln>
+          </p:spPr>
+          <p:style>
+            <a:lnRef idx="2">
+              <a:schemeClr val="accent1">
+                <a:shade val="50000"/>
+              </a:schemeClr>
+            </a:lnRef>
+            <a:fillRef idx="1">
+              <a:schemeClr val="accent1"/>
+            </a:fillRef>
+            <a:effectRef idx="0">
+              <a:schemeClr val="accent1"/>
+            </a:effectRef>
+            <a:fontRef idx="minor">
+              <a:schemeClr val="lt1"/>
+            </a:fontRef>
+          </p:style>
+          <p:txBody>
+            <a:bodyPr rtlCol="0" anchor="ctr"/>
+            <a:lstStyle/>
+            <a:p>
+              <a:pPr algn="ctr"/>
+              <a:r>
+                <a:rPr lang="en-US" altLang="ko-KR" sz="800" dirty="0"/>
+                <a:t>Image Load</a:t>
+              </a:r>
+              <a:endParaRPr lang="ko-KR" altLang="en-US" sz="800" dirty="0"/>
+            </a:p>
+          </p:txBody>
+        </p:sp>
+        <p:sp>
+          <p:nvSpPr>
+            <p:cNvPr id="22" name="사각형: 둥근 모서리 21">
+              <a:extLst>
+                <a:ext uri="{FF2B5EF4-FFF2-40B4-BE49-F238E27FC236}">
+                  <a16:creationId xmlns:a16="http://schemas.microsoft.com/office/drawing/2014/main" id="{8C1565AB-D164-4191-ACCD-3E095CB94A52}"/>
+                </a:ext>
+              </a:extLst>
+            </p:cNvPr>
+            <p:cNvSpPr/>
+            <p:nvPr/>
+          </p:nvSpPr>
+          <p:spPr>
+            <a:xfrm>
+              <a:off x="2939422" y="2189496"/>
+              <a:ext cx="998130" cy="230309"/>
+            </a:xfrm>
+            <a:prstGeom prst="roundRect">
+              <a:avLst/>
+            </a:prstGeom>
+            <a:solidFill>
+              <a:srgbClr val="2E3347"/>
+            </a:solidFill>
+            <a:ln>
+              <a:noFill/>
+            </a:ln>
+          </p:spPr>
+          <p:style>
+            <a:lnRef idx="2">
+              <a:schemeClr val="accent1">
+                <a:shade val="50000"/>
+              </a:schemeClr>
+            </a:lnRef>
+            <a:fillRef idx="1">
+              <a:schemeClr val="accent1"/>
+            </a:fillRef>
+            <a:effectRef idx="0">
+              <a:schemeClr val="accent1"/>
+            </a:effectRef>
+            <a:fontRef idx="minor">
+              <a:schemeClr val="lt1"/>
+            </a:fontRef>
+          </p:style>
+          <p:txBody>
+            <a:bodyPr rtlCol="0" anchor="ctr"/>
+            <a:lstStyle/>
+            <a:p>
+              <a:pPr algn="ctr"/>
+              <a:r>
+                <a:rPr lang="en-US" altLang="ko-KR" sz="800" dirty="0"/>
+                <a:t>Image Save</a:t>
+              </a:r>
+              <a:endParaRPr lang="ko-KR" altLang="en-US" sz="800" dirty="0"/>
+            </a:p>
+          </p:txBody>
+        </p:sp>
+        <p:sp>
+          <p:nvSpPr>
+            <p:cNvPr id="23" name="사각형: 둥근 모서리 22">
+              <a:extLst>
+                <a:ext uri="{FF2B5EF4-FFF2-40B4-BE49-F238E27FC236}">
+                  <a16:creationId xmlns:a16="http://schemas.microsoft.com/office/drawing/2014/main" id="{365AAB78-389D-4838-9C99-8238AFE9D0EC}"/>
+                </a:ext>
+              </a:extLst>
+            </p:cNvPr>
+            <p:cNvSpPr/>
+            <p:nvPr/>
+          </p:nvSpPr>
+          <p:spPr>
+            <a:xfrm>
+              <a:off x="2937828" y="2570804"/>
+              <a:ext cx="1699380" cy="138500"/>
+            </a:xfrm>
+            <a:prstGeom prst="roundRect">
+              <a:avLst/>
+            </a:prstGeom>
+            <a:solidFill>
+              <a:srgbClr val="2E3347"/>
+            </a:solidFill>
+            <a:ln>
+              <a:noFill/>
+            </a:ln>
+          </p:spPr>
+          <p:style>
+            <a:lnRef idx="2">
+              <a:schemeClr val="accent1">
+                <a:shade val="50000"/>
+              </a:schemeClr>
+            </a:lnRef>
+            <a:fillRef idx="1">
+              <a:schemeClr val="accent1"/>
+            </a:fillRef>
+            <a:effectRef idx="0">
+              <a:schemeClr val="accent1"/>
+            </a:effectRef>
+            <a:fontRef idx="minor">
+              <a:schemeClr val="lt1"/>
+            </a:fontRef>
+          </p:style>
+          <p:txBody>
+            <a:bodyPr rtlCol="0" anchor="ctr"/>
+            <a:lstStyle/>
+            <a:p>
+              <a:pPr algn="ctr"/>
+              <a:endParaRPr lang="ko-KR" altLang="en-US" sz="800" dirty="0"/>
+            </a:p>
+          </p:txBody>
+        </p:sp>
+        <p:sp>
+          <p:nvSpPr>
+            <p:cNvPr id="24" name="이등변 삼각형 23">
+              <a:extLst>
+                <a:ext uri="{FF2B5EF4-FFF2-40B4-BE49-F238E27FC236}">
+                  <a16:creationId xmlns:a16="http://schemas.microsoft.com/office/drawing/2014/main" id="{4523AF12-8A45-4151-8577-F444694981B9}"/>
+                </a:ext>
+              </a:extLst>
+            </p:cNvPr>
+            <p:cNvSpPr/>
+            <p:nvPr/>
+          </p:nvSpPr>
+          <p:spPr>
+            <a:xfrm rot="10800000">
+              <a:off x="4510732" y="2613937"/>
+              <a:ext cx="73988" cy="63783"/>
+            </a:xfrm>
+            <a:prstGeom prst="triangle">
+              <a:avLst/>
+            </a:prstGeom>
+          </p:spPr>
+          <p:style>
+            <a:lnRef idx="2">
+              <a:schemeClr val="accent1">
+                <a:shade val="50000"/>
+              </a:schemeClr>
+            </a:lnRef>
+            <a:fillRef idx="1">
+              <a:schemeClr val="accent1"/>
+            </a:fillRef>
+            <a:effectRef idx="0">
+              <a:schemeClr val="accent1"/>
+            </a:effectRef>
+            <a:fontRef idx="minor">
+              <a:schemeClr val="lt1"/>
+            </a:fontRef>
+          </p:style>
+          <p:txBody>
+            <a:bodyPr rtlCol="0" anchor="ctr"/>
+            <a:lstStyle/>
+            <a:p>
+              <a:pPr algn="ctr"/>
+              <a:endParaRPr lang="ko-KR" altLang="en-US"/>
+            </a:p>
+          </p:txBody>
+        </p:sp>
+        <p:sp>
+          <p:nvSpPr>
+            <p:cNvPr id="25" name="사각형: 둥근 모서리 24">
+              <a:extLst>
+                <a:ext uri="{FF2B5EF4-FFF2-40B4-BE49-F238E27FC236}">
+                  <a16:creationId xmlns:a16="http://schemas.microsoft.com/office/drawing/2014/main" id="{E28A2A09-E19B-4540-86A8-F031BC5EB6DE}"/>
+                </a:ext>
+              </a:extLst>
+            </p:cNvPr>
+            <p:cNvSpPr/>
+            <p:nvPr/>
+          </p:nvSpPr>
+          <p:spPr>
+            <a:xfrm>
+              <a:off x="2954453" y="2795442"/>
+              <a:ext cx="998130" cy="230309"/>
+            </a:xfrm>
+            <a:prstGeom prst="roundRect">
+              <a:avLst/>
+            </a:prstGeom>
+            <a:solidFill>
+              <a:srgbClr val="2E3347"/>
+            </a:solidFill>
+            <a:ln>
+              <a:noFill/>
+            </a:ln>
+          </p:spPr>
+          <p:style>
+            <a:lnRef idx="2">
+              <a:schemeClr val="accent1">
+                <a:shade val="50000"/>
+              </a:schemeClr>
+            </a:lnRef>
+            <a:fillRef idx="1">
+              <a:schemeClr val="accent1"/>
+            </a:fillRef>
+            <a:effectRef idx="0">
+              <a:schemeClr val="accent1"/>
+            </a:effectRef>
+            <a:fontRef idx="minor">
+              <a:schemeClr val="lt1"/>
+            </a:fontRef>
+          </p:style>
+          <p:txBody>
+            <a:bodyPr rtlCol="0" anchor="ctr"/>
+            <a:lstStyle/>
+            <a:p>
+              <a:pPr algn="ctr"/>
+              <a:r>
+                <a:rPr lang="en-US" altLang="ko-KR" sz="800" dirty="0"/>
+                <a:t>Image </a:t>
+              </a:r>
+              <a:r>
+                <a:rPr lang="ko-KR" altLang="en-US" sz="800" dirty="0"/>
+                <a:t>변환</a:t>
+              </a:r>
+            </a:p>
+          </p:txBody>
+        </p:sp>
+      </p:grpSp>
+    </p:spTree>
+    <p:extLst>
+      <p:ext uri="{BB962C8B-B14F-4D97-AF65-F5344CB8AC3E}">
+        <p14:creationId xmlns:p14="http://schemas.microsoft.com/office/powerpoint/2010/main" val="4074184825"/>
+      </p:ext>
+    </p:extLst>
+  </p:cSld>
+  <p:clrMapOvr>
+    <a:masterClrMapping/>
+  </p:clrMapOvr>
+</p:sld>
+</file>
+
 <file path=ppt/theme/theme1.xml><?xml version="1.0" encoding="utf-8"?>
 <a:theme xmlns:a="http://schemas.openxmlformats.org/drawingml/2006/main" name="Office 테마">
   <a:themeElements>
